--- a/#Docs/News Empire (presentation).pptx
+++ b/#Docs/News Empire (presentation).pptx
@@ -1160,7 +1160,7 @@
         <a:p>
           <a:r>
             <a:rPr lang="en-GB" dirty="0" smtClean="0"/>
-            <a:t>Entertainment</a:t>
+            <a:t>Web Design</a:t>
           </a:r>
           <a:endParaRPr lang="en-GB" dirty="0"/>
         </a:p>
@@ -3279,7 +3279,7 @@
           </a:pPr>
           <a:r>
             <a:rPr lang="en-GB" sz="700" kern="1200" dirty="0" smtClean="0"/>
-            <a:t>Entertainment</a:t>
+            <a:t>Web Design</a:t>
           </a:r>
           <a:endParaRPr lang="en-GB" sz="700" kern="1200" dirty="0"/>
         </a:p>
@@ -6426,7 +6426,7 @@
           <a:p>
             <a:fld id="{C323A661-78BF-48DB-99E8-35120ED70ECD}" type="datetimeFigureOut">
               <a:rPr lang="en-GB" smtClean="0"/>
-              <a:t>15/04/2013</a:t>
+              <a:t>16/04/2013</a:t>
             </a:fld>
             <a:endParaRPr lang="en-GB"/>
           </a:p>
@@ -7847,7 +7847,7 @@
           <a:p>
             <a:fld id="{EF09E6D6-026A-46D6-B266-108126A6F567}" type="datetime1">
               <a:rPr lang="en-US" smtClean="0"/>
-              <a:t>4/15/2013</a:t>
+              <a:t>4/16/2013</a:t>
             </a:fld>
             <a:endParaRPr lang="en-US"/>
           </a:p>
@@ -8138,7 +8138,7 @@
             <a:pPr algn="r" eaLnBrk="1" latinLnBrk="0" hangingPunct="1"/>
             <a:fld id="{886381AB-0664-4BD3-9F67-31E2E7BDF20A}" type="datetime1">
               <a:rPr lang="en-US" smtClean="0"/>
-              <a:t>4/15/2013</a:t>
+              <a:t>4/16/2013</a:t>
             </a:fld>
             <a:endParaRPr lang="en-US" sz="1400" dirty="0">
               <a:solidFill>
@@ -8283,7 +8283,7 @@
             <a:pPr algn="r" eaLnBrk="1" latinLnBrk="0" hangingPunct="1"/>
             <a:fld id="{A4524242-0796-454E-9E89-05685655D48E}" type="datetime1">
               <a:rPr lang="en-US" smtClean="0"/>
-              <a:t>4/15/2013</a:t>
+              <a:t>4/16/2013</a:t>
             </a:fld>
             <a:endParaRPr lang="en-US" sz="1400" dirty="0">
               <a:solidFill>
@@ -8502,7 +8502,7 @@
             <a:pPr algn="r" eaLnBrk="1" latinLnBrk="0" hangingPunct="1"/>
             <a:fld id="{463B6D52-EAD6-4E00-B899-A50EEBF3194D}" type="datetime1">
               <a:rPr lang="en-US" smtClean="0"/>
-              <a:t>4/15/2013</a:t>
+              <a:t>4/16/2013</a:t>
             </a:fld>
             <a:endParaRPr lang="en-US" sz="1400" dirty="0">
               <a:solidFill>
@@ -8983,7 +8983,7 @@
             <a:pPr algn="r" eaLnBrk="1" latinLnBrk="0" hangingPunct="1"/>
             <a:fld id="{A35D0AE3-610D-4609-99B2-A9FA83C161FB}" type="datetime1">
               <a:rPr lang="en-US" smtClean="0"/>
-              <a:t>4/15/2013</a:t>
+              <a:t>4/16/2013</a:t>
             </a:fld>
             <a:endParaRPr lang="en-US" sz="1400" dirty="0">
               <a:solidFill>
@@ -9135,7 +9135,7 @@
             <a:pPr algn="r" eaLnBrk="1" latinLnBrk="0" hangingPunct="1"/>
             <a:fld id="{0CB8A7F8-2058-41A4-96CC-9A5E9E954F13}" type="datetime1">
               <a:rPr lang="en-US" smtClean="0"/>
-              <a:t>4/15/2013</a:t>
+              <a:t>4/16/2013</a:t>
             </a:fld>
             <a:endParaRPr lang="en-US" sz="1400" dirty="0">
               <a:solidFill>
@@ -9453,7 +9453,7 @@
             <a:pPr algn="r" eaLnBrk="1" latinLnBrk="0" hangingPunct="1"/>
             <a:fld id="{61DC4DDE-5031-4761-A9F7-CF717B7FD06C}" type="datetime1">
               <a:rPr lang="en-US" smtClean="0"/>
-              <a:t>4/15/2013</a:t>
+              <a:t>4/16/2013</a:t>
             </a:fld>
             <a:endParaRPr lang="en-US" sz="1400" dirty="0">
               <a:solidFill>
@@ -10245,7 +10245,7 @@
             <a:pPr algn="r" eaLnBrk="1" latinLnBrk="0" hangingPunct="1"/>
             <a:fld id="{0F9106AA-BE84-4816-835F-E339AE823533}" type="datetime1">
               <a:rPr lang="en-US" smtClean="0"/>
-              <a:t>4/15/2013</a:t>
+              <a:t>4/16/2013</a:t>
             </a:fld>
             <a:endParaRPr lang="en-US" sz="1400" dirty="0">
               <a:solidFill>
@@ -11123,7 +11123,7 @@
             <a:pPr algn="r" eaLnBrk="1" latinLnBrk="0" hangingPunct="1"/>
             <a:fld id="{5C112313-077F-488A-A2E2-C4A95EF93C54}" type="datetime1">
               <a:rPr lang="en-US" smtClean="0"/>
-              <a:t>4/15/2013</a:t>
+              <a:t>4/16/2013</a:t>
             </a:fld>
             <a:endParaRPr lang="en-US" sz="1400" dirty="0">
               <a:solidFill>
@@ -11310,7 +11310,7 @@
           <a:p>
             <a:fld id="{7C101C2F-AC85-4CA3-A840-3E14141D508E}" type="datetime1">
               <a:rPr lang="en-US" smtClean="0"/>
-              <a:t>4/15/2013</a:t>
+              <a:t>4/16/2013</a:t>
             </a:fld>
             <a:endParaRPr lang="en-US"/>
           </a:p>
@@ -11501,7 +11501,7 @@
           <a:p>
             <a:fld id="{82F8D72F-1690-44C7-B565-92DCCD87438C}" type="datetime1">
               <a:rPr lang="en-US" smtClean="0"/>
-              <a:t>4/15/2013</a:t>
+              <a:t>4/16/2013</a:t>
             </a:fld>
             <a:endParaRPr lang="en-US"/>
           </a:p>
@@ -11682,7 +11682,7 @@
           <a:p>
             <a:fld id="{5E268997-C000-4BA7-8F4D-3F35B3797ED3}" type="datetime1">
               <a:rPr lang="en-US" smtClean="0"/>
-              <a:t>4/15/2013</a:t>
+              <a:t>4/16/2013</a:t>
             </a:fld>
             <a:endParaRPr lang="en-US"/>
           </a:p>
@@ -12217,7 +12217,7 @@
           <a:p>
             <a:fld id="{EF29DC67-8BF0-4AB8-8DDF-D3F959CC327A}" type="datetime1">
               <a:rPr lang="en-US" smtClean="0"/>
-              <a:t>4/15/2013</a:t>
+              <a:t>4/16/2013</a:t>
             </a:fld>
             <a:endParaRPr lang="en-US"/>
           </a:p>
@@ -12520,7 +12520,7 @@
           <a:p>
             <a:fld id="{7D077BD6-3338-44B6-8445-80C95629B39D}" type="datetime1">
               <a:rPr lang="en-US" smtClean="0"/>
-              <a:t>4/15/2013</a:t>
+              <a:t>4/16/2013</a:t>
             </a:fld>
             <a:endParaRPr lang="en-US"/>
           </a:p>
@@ -12975,7 +12975,7 @@
           <a:p>
             <a:fld id="{223D83A9-69DB-4EA0-9C48-FD01E8A73235}" type="datetime1">
               <a:rPr lang="en-US" smtClean="0"/>
-              <a:t>4/15/2013</a:t>
+              <a:t>4/16/2013</a:t>
             </a:fld>
             <a:endParaRPr lang="en-US"/>
           </a:p>
@@ -13104,7 +13104,7 @@
           <a:p>
             <a:fld id="{90A20A20-C3D7-47CC-A5E6-F3C502AFA4ED}" type="datetime1">
               <a:rPr lang="en-US" smtClean="0"/>
-              <a:t>4/15/2013</a:t>
+              <a:t>4/16/2013</a:t>
             </a:fld>
             <a:endParaRPr lang="en-US"/>
           </a:p>
@@ -13210,7 +13210,7 @@
           <a:p>
             <a:fld id="{2C54795F-B49F-4A27-9E31-6506162A56B8}" type="datetime1">
               <a:rPr lang="en-US" smtClean="0"/>
-              <a:t>4/15/2013</a:t>
+              <a:t>4/16/2013</a:t>
             </a:fld>
             <a:endParaRPr lang="en-US"/>
           </a:p>
@@ -13500,7 +13500,7 @@
           <a:p>
             <a:fld id="{4DCB38AC-80F7-4BE8-9216-72E39B55FA4F}" type="datetime1">
               <a:rPr lang="en-US" smtClean="0"/>
-              <a:t>4/15/2013</a:t>
+              <a:t>4/16/2013</a:t>
             </a:fld>
             <a:endParaRPr lang="en-US"/>
           </a:p>
@@ -13786,7 +13786,7 @@
           <a:p>
             <a:fld id="{4E44815A-238A-4CE1-AFB0-0E7BE847322A}" type="datetime1">
               <a:rPr lang="en-US" smtClean="0"/>
-              <a:t>4/15/2013</a:t>
+              <a:t>4/16/2013</a:t>
             </a:fld>
             <a:endParaRPr lang="en-US"/>
           </a:p>
@@ -14411,7 +14411,7 @@
             <a:pPr algn="r" eaLnBrk="1" latinLnBrk="0" hangingPunct="1"/>
             <a:fld id="{B373296F-9BB1-456F-8D13-98E560FDD7AE}" type="datetime1">
               <a:rPr lang="en-US" smtClean="0"/>
-              <a:t>4/15/2013</a:t>
+              <a:t>4/16/2013</a:t>
             </a:fld>
             <a:endParaRPr lang="en-US" sz="1400" dirty="0">
               <a:solidFill>
@@ -16901,7 +16901,7 @@
         <p:spPr>
           <a:xfrm>
             <a:off x="457200" y="1600200"/>
-            <a:ext cx="8229600" cy="6398644"/>
+            <a:ext cx="8229600" cy="5915435"/>
           </a:xfrm>
           <a:prstGeom prst="rect">
             <a:avLst/>
@@ -16920,13 +16920,12 @@
             </a:r>
             <a:r>
               <a:rPr lang="en" dirty="0" smtClean="0"/>
-              <a:t>hp (php hypertext preprocessor): Features: </a:t>
+              <a:t>hp (php hypertext preprocessor): Features</a:t>
             </a:r>
-          </a:p>
-          <a:p>
-            <a:pPr marL="457200" indent="-457200">
-              <a:buNone/>
-            </a:pPr>
+            <a:r>
+              <a:rPr lang="en" dirty="0" smtClean="0"/>
+              <a:t>:</a:t>
+            </a:r>
             <a:r>
               <a:rPr lang="en-IN" sz="3200" b="1" dirty="0" smtClean="0">
                 <a:solidFill>
@@ -17890,7 +17889,7 @@
           <p:nvPr>
             <p:extLst>
               <p:ext uri="{D42A27DB-BD31-4B8C-83A1-F6EECF244321}">
-                <p14:modId xmlns:p14="http://schemas.microsoft.com/office/powerpoint/2010/main" val="1269125838"/>
+                <p14:modId xmlns:p14="http://schemas.microsoft.com/office/powerpoint/2010/main" val="2371897402"/>
               </p:ext>
             </p:extLst>
           </p:nvPr>
